--- a/ezrawong/wireframe_home.pptx
+++ b/ezrawong/wireframe_home.pptx
@@ -128,16 +128,24 @@
   <pc:docChgLst>
     <pc:chgData name="TY Wong" userId="0b9eebbcdef70a81" providerId="LiveId" clId="{24EC02B7-97ED-4406-9606-87CEE2C4CA04}"/>
     <pc:docChg chg="undo custSel modSld">
-      <pc:chgData name="TY Wong" userId="0b9eebbcdef70a81" providerId="LiveId" clId="{24EC02B7-97ED-4406-9606-87CEE2C4CA04}" dt="2023-06-14T15:22:49.590" v="306" actId="20577"/>
+      <pc:chgData name="TY Wong" userId="0b9eebbcdef70a81" providerId="LiveId" clId="{24EC02B7-97ED-4406-9606-87CEE2C4CA04}" dt="2023-06-17T02:34:27.808" v="333" actId="1076"/>
       <pc:docMkLst>
         <pc:docMk/>
       </pc:docMkLst>
       <pc:sldChg chg="addSp delSp modSp mod">
-        <pc:chgData name="TY Wong" userId="0b9eebbcdef70a81" providerId="LiveId" clId="{24EC02B7-97ED-4406-9606-87CEE2C4CA04}" dt="2023-06-14T15:22:49.590" v="306" actId="20577"/>
+        <pc:chgData name="TY Wong" userId="0b9eebbcdef70a81" providerId="LiveId" clId="{24EC02B7-97ED-4406-9606-87CEE2C4CA04}" dt="2023-06-17T02:34:27.808" v="333" actId="1076"/>
         <pc:sldMkLst>
           <pc:docMk/>
           <pc:sldMk cId="1354110559" sldId="256"/>
         </pc:sldMkLst>
+        <pc:spChg chg="mod">
+          <ac:chgData name="TY Wong" userId="0b9eebbcdef70a81" providerId="LiveId" clId="{24EC02B7-97ED-4406-9606-87CEE2C4CA04}" dt="2023-06-17T02:33:52.266" v="329" actId="1076"/>
+          <ac:spMkLst>
+            <pc:docMk/>
+            <pc:sldMk cId="1354110559" sldId="256"/>
+            <ac:spMk id="2" creationId="{0920C49E-4BD5-C69B-9FCE-509D9BDC0C5E}"/>
+          </ac:spMkLst>
+        </pc:spChg>
         <pc:spChg chg="add del mod">
           <ac:chgData name="TY Wong" userId="0b9eebbcdef70a81" providerId="LiveId" clId="{24EC02B7-97ED-4406-9606-87CEE2C4CA04}" dt="2023-06-14T15:08:48.059" v="146"/>
           <ac:spMkLst>
@@ -170,6 +178,14 @@
             <ac:spMk id="8" creationId="{9B9CFC18-0041-0A2C-A060-12B2CF050369}"/>
           </ac:spMkLst>
         </pc:spChg>
+        <pc:spChg chg="mod">
+          <ac:chgData name="TY Wong" userId="0b9eebbcdef70a81" providerId="LiveId" clId="{24EC02B7-97ED-4406-9606-87CEE2C4CA04}" dt="2023-06-17T02:34:27.808" v="333" actId="1076"/>
+          <ac:spMkLst>
+            <pc:docMk/>
+            <pc:sldMk cId="1354110559" sldId="256"/>
+            <ac:spMk id="10" creationId="{E6D166FC-B4F3-13EA-E622-EDCCBADB899B}"/>
+          </ac:spMkLst>
+        </pc:spChg>
         <pc:spChg chg="add del mod">
           <ac:chgData name="TY Wong" userId="0b9eebbcdef70a81" providerId="LiveId" clId="{24EC02B7-97ED-4406-9606-87CEE2C4CA04}" dt="2023-06-14T15:16:49.101" v="194"/>
           <ac:spMkLst>
@@ -195,7 +211,7 @@
           </ac:spMkLst>
         </pc:spChg>
         <pc:spChg chg="add mod">
-          <ac:chgData name="TY Wong" userId="0b9eebbcdef70a81" providerId="LiveId" clId="{24EC02B7-97ED-4406-9606-87CEE2C4CA04}" dt="2023-06-14T15:20:39.402" v="227" actId="14100"/>
+          <ac:chgData name="TY Wong" userId="0b9eebbcdef70a81" providerId="LiveId" clId="{24EC02B7-97ED-4406-9606-87CEE2C4CA04}" dt="2023-06-17T02:32:49.116" v="323" actId="1076"/>
           <ac:spMkLst>
             <pc:docMk/>
             <pc:sldMk cId="1354110559" sldId="256"/>
@@ -203,7 +219,7 @@
           </ac:spMkLst>
         </pc:spChg>
         <pc:spChg chg="add mod">
-          <ac:chgData name="TY Wong" userId="0b9eebbcdef70a81" providerId="LiveId" clId="{24EC02B7-97ED-4406-9606-87CEE2C4CA04}" dt="2023-06-14T15:22:09.116" v="297" actId="20577"/>
+          <ac:chgData name="TY Wong" userId="0b9eebbcdef70a81" providerId="LiveId" clId="{24EC02B7-97ED-4406-9606-87CEE2C4CA04}" dt="2023-06-17T02:33:03.150" v="324" actId="14100"/>
           <ac:spMkLst>
             <pc:docMk/>
             <pc:sldMk cId="1354110559" sldId="256"/>
@@ -227,7 +243,7 @@
           </ac:spMkLst>
         </pc:spChg>
         <pc:spChg chg="mod">
-          <ac:chgData name="TY Wong" userId="0b9eebbcdef70a81" providerId="LiveId" clId="{24EC02B7-97ED-4406-9606-87CEE2C4CA04}" dt="2023-06-14T14:28:11.109" v="19" actId="20577"/>
+          <ac:chgData name="TY Wong" userId="0b9eebbcdef70a81" providerId="LiveId" clId="{24EC02B7-97ED-4406-9606-87CEE2C4CA04}" dt="2023-06-17T02:34:20.187" v="332" actId="1076"/>
           <ac:spMkLst>
             <pc:docMk/>
             <pc:sldMk cId="1354110559" sldId="256"/>
@@ -272,6 +288,14 @@
             <pc:docMk/>
             <pc:sldMk cId="1354110559" sldId="256"/>
             <ac:picMk id="4" creationId="{8422E0E4-809D-C8BB-0C21-92A7DFB24B79}"/>
+          </ac:picMkLst>
+        </pc:picChg>
+        <pc:picChg chg="mod">
+          <ac:chgData name="TY Wong" userId="0b9eebbcdef70a81" providerId="LiveId" clId="{24EC02B7-97ED-4406-9606-87CEE2C4CA04}" dt="2023-06-17T02:34:00.606" v="330" actId="1076"/>
+          <ac:picMkLst>
+            <pc:docMk/>
+            <pc:sldMk cId="1354110559" sldId="256"/>
+            <ac:picMk id="5" creationId="{02A11EB0-7773-237A-BD5D-76F05900CBF0}"/>
           </ac:picMkLst>
         </pc:picChg>
         <pc:picChg chg="add mod">
@@ -386,7 +410,7 @@
           <a:p>
             <a:fld id="{44CCFB8E-D1C6-4449-B50E-636979C979E4}" type="datetimeFigureOut">
               <a:rPr lang="en-HK" smtClean="0"/>
-              <a:t>14/6/2023</a:t>
+              <a:t>17/6/2023</a:t>
             </a:fld>
             <a:endParaRPr lang="en-HK"/>
           </a:p>
@@ -785,7 +809,7 @@
           <a:p>
             <a:fld id="{D589849A-37D9-473D-AD5D-C28BC06494D3}" type="datetimeFigureOut">
               <a:rPr lang="en-HK" smtClean="0"/>
-              <a:t>14/6/2023</a:t>
+              <a:t>17/6/2023</a:t>
             </a:fld>
             <a:endParaRPr lang="en-HK"/>
           </a:p>
@@ -955,7 +979,7 @@
           <a:p>
             <a:fld id="{D589849A-37D9-473D-AD5D-C28BC06494D3}" type="datetimeFigureOut">
               <a:rPr lang="en-HK" smtClean="0"/>
-              <a:t>14/6/2023</a:t>
+              <a:t>17/6/2023</a:t>
             </a:fld>
             <a:endParaRPr lang="en-HK"/>
           </a:p>
@@ -1135,7 +1159,7 @@
           <a:p>
             <a:fld id="{D589849A-37D9-473D-AD5D-C28BC06494D3}" type="datetimeFigureOut">
               <a:rPr lang="en-HK" smtClean="0"/>
-              <a:t>14/6/2023</a:t>
+              <a:t>17/6/2023</a:t>
             </a:fld>
             <a:endParaRPr lang="en-HK"/>
           </a:p>
@@ -1305,7 +1329,7 @@
           <a:p>
             <a:fld id="{D589849A-37D9-473D-AD5D-C28BC06494D3}" type="datetimeFigureOut">
               <a:rPr lang="en-HK" smtClean="0"/>
-              <a:t>14/6/2023</a:t>
+              <a:t>17/6/2023</a:t>
             </a:fld>
             <a:endParaRPr lang="en-HK"/>
           </a:p>
@@ -1549,7 +1573,7 @@
           <a:p>
             <a:fld id="{D589849A-37D9-473D-AD5D-C28BC06494D3}" type="datetimeFigureOut">
               <a:rPr lang="en-HK" smtClean="0"/>
-              <a:t>14/6/2023</a:t>
+              <a:t>17/6/2023</a:t>
             </a:fld>
             <a:endParaRPr lang="en-HK"/>
           </a:p>
@@ -1781,7 +1805,7 @@
           <a:p>
             <a:fld id="{D589849A-37D9-473D-AD5D-C28BC06494D3}" type="datetimeFigureOut">
               <a:rPr lang="en-HK" smtClean="0"/>
-              <a:t>14/6/2023</a:t>
+              <a:t>17/6/2023</a:t>
             </a:fld>
             <a:endParaRPr lang="en-HK"/>
           </a:p>
@@ -2148,7 +2172,7 @@
           <a:p>
             <a:fld id="{D589849A-37D9-473D-AD5D-C28BC06494D3}" type="datetimeFigureOut">
               <a:rPr lang="en-HK" smtClean="0"/>
-              <a:t>14/6/2023</a:t>
+              <a:t>17/6/2023</a:t>
             </a:fld>
             <a:endParaRPr lang="en-HK"/>
           </a:p>
@@ -2266,7 +2290,7 @@
           <a:p>
             <a:fld id="{D589849A-37D9-473D-AD5D-C28BC06494D3}" type="datetimeFigureOut">
               <a:rPr lang="en-HK" smtClean="0"/>
-              <a:t>14/6/2023</a:t>
+              <a:t>17/6/2023</a:t>
             </a:fld>
             <a:endParaRPr lang="en-HK"/>
           </a:p>
@@ -2361,7 +2385,7 @@
           <a:p>
             <a:fld id="{D589849A-37D9-473D-AD5D-C28BC06494D3}" type="datetimeFigureOut">
               <a:rPr lang="en-HK" smtClean="0"/>
-              <a:t>14/6/2023</a:t>
+              <a:t>17/6/2023</a:t>
             </a:fld>
             <a:endParaRPr lang="en-HK"/>
           </a:p>
@@ -2638,7 +2662,7 @@
           <a:p>
             <a:fld id="{D589849A-37D9-473D-AD5D-C28BC06494D3}" type="datetimeFigureOut">
               <a:rPr lang="en-HK" smtClean="0"/>
-              <a:t>14/6/2023</a:t>
+              <a:t>17/6/2023</a:t>
             </a:fld>
             <a:endParaRPr lang="en-HK"/>
           </a:p>
@@ -2895,7 +2919,7 @@
           <a:p>
             <a:fld id="{D589849A-37D9-473D-AD5D-C28BC06494D3}" type="datetimeFigureOut">
               <a:rPr lang="en-HK" smtClean="0"/>
-              <a:t>14/6/2023</a:t>
+              <a:t>17/6/2023</a:t>
             </a:fld>
             <a:endParaRPr lang="en-HK"/>
           </a:p>
@@ -3108,7 +3132,7 @@
           <a:p>
             <a:fld id="{D589849A-37D9-473D-AD5D-C28BC06494D3}" type="datetimeFigureOut">
               <a:rPr lang="en-HK" smtClean="0"/>
-              <a:t>14/6/2023</a:t>
+              <a:t>17/6/2023</a:t>
             </a:fld>
             <a:endParaRPr lang="en-HK"/>
           </a:p>
@@ -3531,8 +3555,8 @@
         </p:nvSpPr>
         <p:spPr>
           <a:xfrm>
-            <a:off x="-3" y="19684"/>
-            <a:ext cx="6858003" cy="1168469"/>
+            <a:off x="87849" y="134560"/>
+            <a:ext cx="6858003" cy="1325939"/>
           </a:xfrm>
         </p:spPr>
         <p:txBody>
@@ -3563,7 +3587,7 @@
         </p:nvSpPr>
         <p:spPr>
           <a:xfrm>
-            <a:off x="401053" y="-32677"/>
+            <a:off x="184480" y="165799"/>
             <a:ext cx="6339048" cy="1451501"/>
           </a:xfrm>
           <a:prstGeom prst="rect">
@@ -3610,8 +3634,8 @@
         </p:nvSpPr>
         <p:spPr>
           <a:xfrm>
-            <a:off x="1729868" y="1507978"/>
-            <a:ext cx="2636010" cy="400110"/>
+            <a:off x="1764632" y="1685093"/>
+            <a:ext cx="2585204" cy="400110"/>
           </a:xfrm>
           <a:prstGeom prst="rect">
             <a:avLst/>
@@ -3661,8 +3685,8 @@
         </p:blipFill>
         <p:spPr>
           <a:xfrm>
-            <a:off x="35197" y="-9816"/>
-            <a:ext cx="1909014" cy="1451501"/>
+            <a:off x="270297" y="266821"/>
+            <a:ext cx="1909014" cy="1181179"/>
           </a:xfrm>
           <a:prstGeom prst="rect">
             <a:avLst/>
@@ -3971,8 +3995,8 @@
         </p:nvSpPr>
         <p:spPr>
           <a:xfrm>
-            <a:off x="-16046" y="11261558"/>
-            <a:ext cx="6874045" cy="910758"/>
+            <a:off x="188491" y="11120058"/>
+            <a:ext cx="6481014" cy="839752"/>
           </a:xfrm>
           <a:prstGeom prst="rect">
             <a:avLst/>
@@ -4018,8 +4042,8 @@
         </p:nvSpPr>
         <p:spPr>
           <a:xfrm>
-            <a:off x="401052" y="11750822"/>
-            <a:ext cx="6028843" cy="369332"/>
+            <a:off x="603806" y="11331193"/>
+            <a:ext cx="5650387" cy="369332"/>
           </a:xfrm>
           <a:prstGeom prst="rect">
             <a:avLst/>
